--- a/series/demystify-buzzwords/machine-learning/Demystify Buzzwords - Machine Learning.pptx
+++ b/series/demystify-buzzwords/machine-learning/Demystify Buzzwords - Machine Learning.pptx
@@ -6083,7 +6083,7 @@
           <a:p>
             <a:fld id="{70BC1078-46ED-40F9-8930-935BAD7C2B02}" type="datetimeFigureOut">
               <a:rPr lang="zh-CN" altLang="en-US" smtClean="0"/>
-              <a:t>2018/8/20</a:t>
+              <a:t>2018/11/1</a:t>
             </a:fld>
             <a:endParaRPr lang="zh-CN" altLang="en-US"/>
           </a:p>
@@ -6248,7 +6248,7 @@
           <a:p>
             <a:fld id="{70BC1078-46ED-40F9-8930-935BAD7C2B02}" type="datetimeFigureOut">
               <a:rPr lang="zh-CN" altLang="en-US" smtClean="0"/>
-              <a:t>2018/8/20</a:t>
+              <a:t>2018/11/1</a:t>
             </a:fld>
             <a:endParaRPr lang="zh-CN" altLang="en-US"/>
           </a:p>
@@ -6423,7 +6423,7 @@
           <a:p>
             <a:fld id="{70BC1078-46ED-40F9-8930-935BAD7C2B02}" type="datetimeFigureOut">
               <a:rPr lang="zh-CN" altLang="en-US" smtClean="0"/>
-              <a:t>2018/8/20</a:t>
+              <a:t>2018/11/1</a:t>
             </a:fld>
             <a:endParaRPr lang="zh-CN" altLang="en-US"/>
           </a:p>
@@ -6588,7 +6588,7 @@
           <a:p>
             <a:fld id="{70BC1078-46ED-40F9-8930-935BAD7C2B02}" type="datetimeFigureOut">
               <a:rPr lang="zh-CN" altLang="en-US" smtClean="0"/>
-              <a:t>2018/8/20</a:t>
+              <a:t>2018/11/1</a:t>
             </a:fld>
             <a:endParaRPr lang="zh-CN" altLang="en-US"/>
           </a:p>
@@ -6827,7 +6827,7 @@
           <a:p>
             <a:fld id="{70BC1078-46ED-40F9-8930-935BAD7C2B02}" type="datetimeFigureOut">
               <a:rPr lang="zh-CN" altLang="en-US" smtClean="0"/>
-              <a:t>2018/8/20</a:t>
+              <a:t>2018/11/1</a:t>
             </a:fld>
             <a:endParaRPr lang="zh-CN" altLang="en-US"/>
           </a:p>
@@ -7054,7 +7054,7 @@
           <a:p>
             <a:fld id="{70BC1078-46ED-40F9-8930-935BAD7C2B02}" type="datetimeFigureOut">
               <a:rPr lang="zh-CN" altLang="en-US" smtClean="0"/>
-              <a:t>2018/8/20</a:t>
+              <a:t>2018/11/1</a:t>
             </a:fld>
             <a:endParaRPr lang="zh-CN" altLang="en-US"/>
           </a:p>
@@ -7416,7 +7416,7 @@
           <a:p>
             <a:fld id="{70BC1078-46ED-40F9-8930-935BAD7C2B02}" type="datetimeFigureOut">
               <a:rPr lang="zh-CN" altLang="en-US" smtClean="0"/>
-              <a:t>2018/8/20</a:t>
+              <a:t>2018/11/1</a:t>
             </a:fld>
             <a:endParaRPr lang="zh-CN" altLang="en-US"/>
           </a:p>
@@ -7529,7 +7529,7 @@
           <a:p>
             <a:fld id="{70BC1078-46ED-40F9-8930-935BAD7C2B02}" type="datetimeFigureOut">
               <a:rPr lang="zh-CN" altLang="en-US" smtClean="0"/>
-              <a:t>2018/8/20</a:t>
+              <a:t>2018/11/1</a:t>
             </a:fld>
             <a:endParaRPr lang="zh-CN" altLang="en-US"/>
           </a:p>
@@ -7619,7 +7619,7 @@
           <a:p>
             <a:fld id="{70BC1078-46ED-40F9-8930-935BAD7C2B02}" type="datetimeFigureOut">
               <a:rPr lang="zh-CN" altLang="en-US" smtClean="0"/>
-              <a:t>2018/8/20</a:t>
+              <a:t>2018/11/1</a:t>
             </a:fld>
             <a:endParaRPr lang="zh-CN" altLang="en-US"/>
           </a:p>
@@ -7891,7 +7891,7 @@
           <a:p>
             <a:fld id="{70BC1078-46ED-40F9-8930-935BAD7C2B02}" type="datetimeFigureOut">
               <a:rPr lang="zh-CN" altLang="en-US" smtClean="0"/>
-              <a:t>2018/8/20</a:t>
+              <a:t>2018/11/1</a:t>
             </a:fld>
             <a:endParaRPr lang="zh-CN" altLang="en-US"/>
           </a:p>
@@ -8143,7 +8143,7 @@
           <a:p>
             <a:fld id="{70BC1078-46ED-40F9-8930-935BAD7C2B02}" type="datetimeFigureOut">
               <a:rPr lang="zh-CN" altLang="en-US" smtClean="0"/>
-              <a:t>2018/8/20</a:t>
+              <a:t>2018/11/1</a:t>
             </a:fld>
             <a:endParaRPr lang="zh-CN" altLang="en-US"/>
           </a:p>
@@ -8351,7 +8351,7 @@
           <a:p>
             <a:fld id="{70BC1078-46ED-40F9-8930-935BAD7C2B02}" type="datetimeFigureOut">
               <a:rPr lang="zh-CN" altLang="en-US" smtClean="0"/>
-              <a:t>2018/8/20</a:t>
+              <a:t>2018/11/1</a:t>
             </a:fld>
             <a:endParaRPr lang="zh-CN" altLang="en-US"/>
           </a:p>
@@ -9352,9 +9352,6 @@
               </a:rPr>
               <a:t>Tasks</a:t>
             </a:r>
-            <a:endParaRPr lang="en-US" dirty="0">
-              <a:latin typeface="Copperplate Gothic Light" pitchFamily="34" charset="0"/>
-            </a:endParaRPr>
           </a:p>
         </p:txBody>
       </p:sp>
